--- a/CodeBandits.pptx
+++ b/CodeBandits.pptx
@@ -118,6 +118,10 @@
 </p:presentation>
 </file>
 
+<file path=ppt/revisionInfo.xml><?xml version="1.0" encoding="utf-8"?>
+<p1510:revInfo xmlns:a="http://schemas.openxmlformats.org/drawingml/2006/main" xmlns:r="http://schemas.openxmlformats.org/officeDocument/2006/relationships" xmlns:p1510="http://schemas.microsoft.com/office/powerpoint/2015/10/main"/>
+</file>
+
 <file path=ppt/slideLayouts/slideLayout1.xml><?xml version="1.0" encoding="utf-8"?>
 <p:sldLayout xmlns:a="http://schemas.openxmlformats.org/drawingml/2006/main" xmlns:r="http://schemas.openxmlformats.org/officeDocument/2006/relationships" xmlns:p="http://schemas.openxmlformats.org/presentationml/2006/main" type="title" preserve="1">
   <p:cSld name="Title Slide">
@@ -249,7 +253,7 @@
           <a:p>
             <a:fld id="{C764DE79-268F-4C1A-8933-263129D2AF90}" type="datetimeFigureOut">
               <a:rPr lang="en-US" dirty="0"/>
-              <a:t>5/24/2018</a:t>
+              <a:t>24-May-18</a:t>
             </a:fld>
             <a:endParaRPr lang="en-US" dirty="0"/>
           </a:p>
@@ -449,7 +453,7 @@
           <a:p>
             <a:fld id="{C764DE79-268F-4C1A-8933-263129D2AF90}" type="datetimeFigureOut">
               <a:rPr lang="en-US" dirty="0"/>
-              <a:t>5/24/2018</a:t>
+              <a:t>24-May-18</a:t>
             </a:fld>
             <a:endParaRPr lang="en-US" dirty="0"/>
           </a:p>
@@ -659,7 +663,7 @@
           <a:p>
             <a:fld id="{C764DE79-268F-4C1A-8933-263129D2AF90}" type="datetimeFigureOut">
               <a:rPr lang="en-US" dirty="0"/>
-              <a:t>5/24/2018</a:t>
+              <a:t>24-May-18</a:t>
             </a:fld>
             <a:endParaRPr lang="en-US" dirty="0"/>
           </a:p>
@@ -1575,7 +1579,7 @@
           <a:p>
             <a:fld id="{C764DE79-268F-4C1A-8933-263129D2AF90}" type="datetimeFigureOut">
               <a:rPr lang="en-US" dirty="0"/>
-              <a:t>5/24/2018</a:t>
+              <a:t>24-May-18</a:t>
             </a:fld>
             <a:endParaRPr lang="en-US" dirty="0"/>
           </a:p>
@@ -2510,7 +2514,7 @@
           <a:p>
             <a:fld id="{C764DE79-268F-4C1A-8933-263129D2AF90}" type="datetimeFigureOut">
               <a:rPr lang="en-US" dirty="0"/>
-              <a:t>5/24/2018</a:t>
+              <a:t>24-May-18</a:t>
             </a:fld>
             <a:endParaRPr lang="en-US" dirty="0"/>
           </a:p>
@@ -2658,7 +2662,7 @@
           <a:p>
             <a:fld id="{C764DE79-268F-4C1A-8933-263129D2AF90}" type="datetimeFigureOut">
               <a:rPr lang="en-US" dirty="0"/>
-              <a:t>5/24/2018</a:t>
+              <a:t>24-May-18</a:t>
             </a:fld>
             <a:endParaRPr lang="en-US" dirty="0"/>
           </a:p>
@@ -2783,7 +2787,7 @@
           <a:p>
             <a:fld id="{C764DE79-268F-4C1A-8933-263129D2AF90}" type="datetimeFigureOut">
               <a:rPr lang="en-US" dirty="0"/>
-              <a:t>5/24/2018</a:t>
+              <a:t>24-May-18</a:t>
             </a:fld>
             <a:endParaRPr lang="en-US" dirty="0"/>
           </a:p>
@@ -3120,7 +3124,7 @@
           <a:p>
             <a:fld id="{C764DE79-268F-4C1A-8933-263129D2AF90}" type="datetimeFigureOut">
               <a:rPr lang="en-US" dirty="0"/>
-              <a:t>5/24/2018</a:t>
+              <a:t>24-May-18</a:t>
             </a:fld>
             <a:endParaRPr lang="en-US" dirty="0"/>
           </a:p>
@@ -3407,7 +3411,7 @@
           <a:p>
             <a:fld id="{C764DE79-268F-4C1A-8933-263129D2AF90}" type="datetimeFigureOut">
               <a:rPr lang="en-US" dirty="0"/>
-              <a:t>5/24/2018</a:t>
+              <a:t>24-May-18</a:t>
             </a:fld>
             <a:endParaRPr lang="en-US" dirty="0"/>
           </a:p>
@@ -3650,7 +3654,7 @@
           <a:p>
             <a:fld id="{C764DE79-268F-4C1A-8933-263129D2AF90}" type="datetimeFigureOut">
               <a:rPr lang="en-US" dirty="0"/>
-              <a:t>5/24/2018</a:t>
+              <a:t>24-May-18</a:t>
             </a:fld>
             <a:endParaRPr lang="en-US" dirty="0"/>
           </a:p>
@@ -4149,10 +4153,16 @@
           <a:lstStyle/>
           <a:p>
             <a:r>
-              <a:rPr lang="en-US" dirty="0"/>
+              <a:rPr lang="en-US" dirty="0">
+                <a:latin typeface="Arial" panose="020B0604020202020204" pitchFamily="34" charset="0"/>
+                <a:cs typeface="Arial" panose="020B0604020202020204" pitchFamily="34" charset="0"/>
+              </a:rPr>
               <a:t>Drops4Life</a:t>
             </a:r>
-            <a:endParaRPr lang="hr-HR" dirty="0"/>
+            <a:endParaRPr lang="hr-HR" dirty="0">
+              <a:latin typeface="Arial" panose="020B0604020202020204" pitchFamily="34" charset="0"/>
+              <a:cs typeface="Arial" panose="020B0604020202020204" pitchFamily="34" charset="0"/>
+            </a:endParaRPr>
           </a:p>
         </p:txBody>
       </p:sp>
@@ -4172,9 +4182,30 @@
           <a:lstStyle/>
           <a:p>
             <a:r>
-              <a:rPr lang="hr-HR" dirty="0"/>
-              <a:t>Ime predavača</a:t>
-            </a:r>
+              <a:rPr lang="en-US" dirty="0" err="1">
+                <a:latin typeface="Arial" panose="020B0604020202020204" pitchFamily="34" charset="0"/>
+                <a:cs typeface="Arial" panose="020B0604020202020204" pitchFamily="34" charset="0"/>
+              </a:rPr>
+              <a:t>Tomislav</a:t>
+            </a:r>
+            <a:r>
+              <a:rPr lang="en-US" dirty="0">
+                <a:latin typeface="Arial" panose="020B0604020202020204" pitchFamily="34" charset="0"/>
+                <a:cs typeface="Arial" panose="020B0604020202020204" pitchFamily="34" charset="0"/>
+              </a:rPr>
+              <a:t> </a:t>
+            </a:r>
+            <a:r>
+              <a:rPr lang="en-US" dirty="0" err="1">
+                <a:latin typeface="Arial" panose="020B0604020202020204" pitchFamily="34" charset="0"/>
+                <a:cs typeface="Arial" panose="020B0604020202020204" pitchFamily="34" charset="0"/>
+              </a:rPr>
+              <a:t>Fičko</a:t>
+            </a:r>
+            <a:endParaRPr lang="hr-HR" dirty="0">
+              <a:latin typeface="Arial" panose="020B0604020202020204" pitchFamily="34" charset="0"/>
+              <a:cs typeface="Arial" panose="020B0604020202020204" pitchFamily="34" charset="0"/>
+            </a:endParaRPr>
           </a:p>
         </p:txBody>
       </p:sp>
@@ -4223,13 +4254,43 @@
           <a:bodyPr/>
           <a:lstStyle/>
           <a:p>
-            <a:endParaRPr lang="hr-HR"/>
-          </a:p>
-        </p:txBody>
-      </p:sp>
-      <p:sp>
-        <p:nvSpPr>
-          <p:cNvPr id="7" name="Content Placeholder 6"/>
+            <a:r>
+              <a:rPr lang="en-US" dirty="0" err="1">
+                <a:latin typeface="Arial" panose="020B0604020202020204" pitchFamily="34" charset="0"/>
+                <a:cs typeface="Arial" panose="020B0604020202020204" pitchFamily="34" charset="0"/>
+              </a:rPr>
+              <a:t>Osnovna</a:t>
+            </a:r>
+            <a:r>
+              <a:rPr lang="en-US" dirty="0">
+                <a:latin typeface="Arial" panose="020B0604020202020204" pitchFamily="34" charset="0"/>
+                <a:cs typeface="Arial" panose="020B0604020202020204" pitchFamily="34" charset="0"/>
+              </a:rPr>
+              <a:t> </a:t>
+            </a:r>
+            <a:r>
+              <a:rPr lang="en-US" dirty="0" err="1">
+                <a:latin typeface="Arial" panose="020B0604020202020204" pitchFamily="34" charset="0"/>
+                <a:cs typeface="Arial" panose="020B0604020202020204" pitchFamily="34" charset="0"/>
+              </a:rPr>
+              <a:t>ideja</a:t>
+            </a:r>
+            <a:endParaRPr lang="hr-HR" dirty="0">
+              <a:latin typeface="Arial" panose="020B0604020202020204" pitchFamily="34" charset="0"/>
+              <a:cs typeface="Arial" panose="020B0604020202020204" pitchFamily="34" charset="0"/>
+            </a:endParaRPr>
+          </a:p>
+        </p:txBody>
+      </p:sp>
+      <p:sp>
+        <p:nvSpPr>
+          <p:cNvPr id="5" name="Content Placeholder 4">
+            <a:extLst>
+              <a:ext uri="{FF2B5EF4-FFF2-40B4-BE49-F238E27FC236}">
+                <a16:creationId xmlns:a16="http://schemas.microsoft.com/office/drawing/2014/main" id="{EB444220-91DC-483D-B8C7-6B87EB0E4578}"/>
+              </a:ext>
+            </a:extLst>
+          </p:cNvPr>
           <p:cNvSpPr>
             <a:spLocks noGrp="1"/>
           </p:cNvSpPr>
@@ -4237,15 +4298,176 @@
             <p:ph idx="1"/>
           </p:nvPr>
         </p:nvSpPr>
-        <p:spPr/>
-        <p:txBody>
-          <a:bodyPr/>
-          <a:lstStyle/>
-          <a:p>
-            <a:endParaRPr lang="hr-HR"/>
-          </a:p>
-        </p:txBody>
-      </p:sp>
+        <p:spPr>
+          <a:xfrm>
+            <a:off x="1788379" y="2597290"/>
+            <a:ext cx="10043957" cy="6190584"/>
+          </a:xfrm>
+        </p:spPr>
+        <p:txBody>
+          <a:bodyPr/>
+          <a:lstStyle/>
+          <a:p>
+            <a:r>
+              <a:rPr lang="en-US" dirty="0">
+                <a:latin typeface="Arial" panose="020B0604020202020204" pitchFamily="34" charset="0"/>
+                <a:cs typeface="Arial" panose="020B0604020202020204" pitchFamily="34" charset="0"/>
+              </a:rPr>
+              <a:t>P</a:t>
+            </a:r>
+            <a:r>
+              <a:rPr lang="hr-HR" dirty="0" err="1">
+                <a:latin typeface="Arial" panose="020B0604020202020204" pitchFamily="34" charset="0"/>
+                <a:cs typeface="Arial" panose="020B0604020202020204" pitchFamily="34" charset="0"/>
+              </a:rPr>
+              <a:t>ojednostaviti</a:t>
+            </a:r>
+            <a:r>
+              <a:rPr lang="hr-HR" dirty="0">
+                <a:latin typeface="Arial" panose="020B0604020202020204" pitchFamily="34" charset="0"/>
+                <a:cs typeface="Arial" panose="020B0604020202020204" pitchFamily="34" charset="0"/>
+              </a:rPr>
+              <a:t> komunikaciju</a:t>
+            </a:r>
+            <a:endParaRPr lang="en-US" dirty="0">
+              <a:latin typeface="Arial" panose="020B0604020202020204" pitchFamily="34" charset="0"/>
+              <a:cs typeface="Arial" panose="020B0604020202020204" pitchFamily="34" charset="0"/>
+            </a:endParaRPr>
+          </a:p>
+          <a:p>
+            <a:r>
+              <a:rPr lang="en-US" dirty="0" err="1">
+                <a:latin typeface="Arial" panose="020B0604020202020204" pitchFamily="34" charset="0"/>
+                <a:cs typeface="Arial" panose="020B0604020202020204" pitchFamily="34" charset="0"/>
+              </a:rPr>
+              <a:t>Uvid</a:t>
+            </a:r>
+            <a:r>
+              <a:rPr lang="en-US" dirty="0">
+                <a:latin typeface="Arial" panose="020B0604020202020204" pitchFamily="34" charset="0"/>
+                <a:cs typeface="Arial" panose="020B0604020202020204" pitchFamily="34" charset="0"/>
+              </a:rPr>
+              <a:t> u </a:t>
+            </a:r>
+            <a:r>
+              <a:rPr lang="en-US" dirty="0" err="1">
+                <a:latin typeface="Arial" panose="020B0604020202020204" pitchFamily="34" charset="0"/>
+                <a:cs typeface="Arial" panose="020B0604020202020204" pitchFamily="34" charset="0"/>
+              </a:rPr>
+              <a:t>podatke</a:t>
+            </a:r>
+            <a:r>
+              <a:rPr lang="en-US" dirty="0">
+                <a:latin typeface="Arial" panose="020B0604020202020204" pitchFamily="34" charset="0"/>
+                <a:cs typeface="Arial" panose="020B0604020202020204" pitchFamily="34" charset="0"/>
+              </a:rPr>
+              <a:t> o </a:t>
+            </a:r>
+            <a:r>
+              <a:rPr lang="en-US" dirty="0" err="1">
+                <a:latin typeface="Arial" panose="020B0604020202020204" pitchFamily="34" charset="0"/>
+                <a:cs typeface="Arial" panose="020B0604020202020204" pitchFamily="34" charset="0"/>
+              </a:rPr>
+              <a:t>donacijama</a:t>
+            </a:r>
+            <a:endParaRPr lang="en-US" dirty="0">
+              <a:latin typeface="Arial" panose="020B0604020202020204" pitchFamily="34" charset="0"/>
+              <a:cs typeface="Arial" panose="020B0604020202020204" pitchFamily="34" charset="0"/>
+            </a:endParaRPr>
+          </a:p>
+          <a:p>
+            <a:r>
+              <a:rPr lang="en-US" dirty="0" err="1">
+                <a:latin typeface="Arial" panose="020B0604020202020204" pitchFamily="34" charset="0"/>
+                <a:cs typeface="Arial" panose="020B0604020202020204" pitchFamily="34" charset="0"/>
+              </a:rPr>
+              <a:t>Pristup</a:t>
+            </a:r>
+            <a:r>
+              <a:rPr lang="en-US" dirty="0">
+                <a:latin typeface="Arial" panose="020B0604020202020204" pitchFamily="34" charset="0"/>
+                <a:cs typeface="Arial" panose="020B0604020202020204" pitchFamily="34" charset="0"/>
+              </a:rPr>
+              <a:t> </a:t>
+            </a:r>
+            <a:r>
+              <a:rPr lang="en-US" dirty="0" err="1">
+                <a:latin typeface="Arial" panose="020B0604020202020204" pitchFamily="34" charset="0"/>
+                <a:cs typeface="Arial" panose="020B0604020202020204" pitchFamily="34" charset="0"/>
+              </a:rPr>
+              <a:t>informacijama</a:t>
+            </a:r>
+            <a:r>
+              <a:rPr lang="en-US" dirty="0">
+                <a:latin typeface="Arial" panose="020B0604020202020204" pitchFamily="34" charset="0"/>
+                <a:cs typeface="Arial" panose="020B0604020202020204" pitchFamily="34" charset="0"/>
+              </a:rPr>
+              <a:t> o </a:t>
+            </a:r>
+            <a:r>
+              <a:rPr lang="en-US" dirty="0" err="1">
+                <a:latin typeface="Arial" panose="020B0604020202020204" pitchFamily="34" charset="0"/>
+                <a:cs typeface="Arial" panose="020B0604020202020204" pitchFamily="34" charset="0"/>
+              </a:rPr>
+              <a:t>trenutnim</a:t>
+            </a:r>
+            <a:r>
+              <a:rPr lang="en-US" dirty="0">
+                <a:latin typeface="Arial" panose="020B0604020202020204" pitchFamily="34" charset="0"/>
+                <a:cs typeface="Arial" panose="020B0604020202020204" pitchFamily="34" charset="0"/>
+              </a:rPr>
+              <a:t> </a:t>
+            </a:r>
+            <a:r>
+              <a:rPr lang="en-US" dirty="0" err="1">
+                <a:latin typeface="Arial" panose="020B0604020202020204" pitchFamily="34" charset="0"/>
+                <a:cs typeface="Arial" panose="020B0604020202020204" pitchFamily="34" charset="0"/>
+              </a:rPr>
+              <a:t>zalihama</a:t>
+            </a:r>
+            <a:endParaRPr lang="hr-HR" dirty="0">
+              <a:latin typeface="Arial" panose="020B0604020202020204" pitchFamily="34" charset="0"/>
+              <a:cs typeface="Arial" panose="020B0604020202020204" pitchFamily="34" charset="0"/>
+            </a:endParaRPr>
+          </a:p>
+        </p:txBody>
+      </p:sp>
+      <p:pic>
+        <p:nvPicPr>
+          <p:cNvPr id="6" name="Content Placeholder 3">
+            <a:extLst>
+              <a:ext uri="{FF2B5EF4-FFF2-40B4-BE49-F238E27FC236}">
+                <a16:creationId xmlns:a16="http://schemas.microsoft.com/office/drawing/2014/main" id="{4062D26E-7F77-4B94-B228-664EADF57133}"/>
+              </a:ext>
+            </a:extLst>
+          </p:cNvPr>
+          <p:cNvPicPr>
+            <a:picLocks noChangeAspect="1"/>
+          </p:cNvPicPr>
+          <p:nvPr/>
+        </p:nvPicPr>
+        <p:blipFill>
+          <a:blip r:embed="rId2">
+            <a:extLst>
+              <a:ext uri="{28A0092B-C50C-407E-A947-70E740481C1C}">
+                <a14:useLocalDpi xmlns:a14="http://schemas.microsoft.com/office/drawing/2010/main" val="0"/>
+              </a:ext>
+            </a:extLst>
+          </a:blip>
+          <a:stretch>
+            <a:fillRect/>
+          </a:stretch>
+        </p:blipFill>
+        <p:spPr>
+          <a:xfrm>
+            <a:off x="12306300" y="1432483"/>
+            <a:ext cx="13109023" cy="5834763"/>
+          </a:xfrm>
+          <a:prstGeom prst="rect">
+            <a:avLst/>
+          </a:prstGeom>
+        </p:spPr>
+      </p:pic>
     </p:spTree>
     <p:extLst>
       <p:ext uri="{BB962C8B-B14F-4D97-AF65-F5344CB8AC3E}">
@@ -4291,7 +4513,31 @@
           <a:bodyPr/>
           <a:lstStyle/>
           <a:p>
-            <a:endParaRPr lang="hr-HR"/>
+            <a:r>
+              <a:rPr lang="en-US" dirty="0" err="1">
+                <a:latin typeface="Arial" panose="020B0604020202020204" pitchFamily="34" charset="0"/>
+                <a:cs typeface="Arial" panose="020B0604020202020204" pitchFamily="34" charset="0"/>
+              </a:rPr>
+              <a:t>Korištene</a:t>
+            </a:r>
+            <a:r>
+              <a:rPr lang="en-US" dirty="0">
+                <a:latin typeface="Arial" panose="020B0604020202020204" pitchFamily="34" charset="0"/>
+                <a:cs typeface="Arial" panose="020B0604020202020204" pitchFamily="34" charset="0"/>
+              </a:rPr>
+              <a:t> </a:t>
+            </a:r>
+            <a:r>
+              <a:rPr lang="en-US" dirty="0" err="1">
+                <a:latin typeface="Arial" panose="020B0604020202020204" pitchFamily="34" charset="0"/>
+                <a:cs typeface="Arial" panose="020B0604020202020204" pitchFamily="34" charset="0"/>
+              </a:rPr>
+              <a:t>tehnologije</a:t>
+            </a:r>
+            <a:endParaRPr lang="hr-HR" dirty="0">
+              <a:latin typeface="Arial" panose="020B0604020202020204" pitchFamily="34" charset="0"/>
+              <a:cs typeface="Arial" panose="020B0604020202020204" pitchFamily="34" charset="0"/>
+            </a:endParaRPr>
           </a:p>
         </p:txBody>
       </p:sp>
@@ -4310,7 +4556,39 @@
           <a:bodyPr/>
           <a:lstStyle/>
           <a:p>
-            <a:endParaRPr lang="hr-HR"/>
+            <a:r>
+              <a:rPr lang="en-US" dirty="0" err="1">
+                <a:latin typeface="Arial" panose="020B0604020202020204" pitchFamily="34" charset="0"/>
+                <a:cs typeface="Arial" panose="020B0604020202020204" pitchFamily="34" charset="0"/>
+              </a:rPr>
+              <a:t>ReactJS</a:t>
+            </a:r>
+            <a:endParaRPr lang="en-US" dirty="0">
+              <a:latin typeface="Arial" panose="020B0604020202020204" pitchFamily="34" charset="0"/>
+              <a:cs typeface="Arial" panose="020B0604020202020204" pitchFamily="34" charset="0"/>
+            </a:endParaRPr>
+          </a:p>
+          <a:p>
+            <a:r>
+              <a:rPr lang="en-US" dirty="0" err="1">
+                <a:latin typeface="Arial" panose="020B0604020202020204" pitchFamily="34" charset="0"/>
+                <a:cs typeface="Arial" panose="020B0604020202020204" pitchFamily="34" charset="0"/>
+              </a:rPr>
+              <a:t>MaterialUI</a:t>
+            </a:r>
+            <a:endParaRPr lang="en-US" dirty="0">
+              <a:latin typeface="Arial" panose="020B0604020202020204" pitchFamily="34" charset="0"/>
+              <a:cs typeface="Arial" panose="020B0604020202020204" pitchFamily="34" charset="0"/>
+            </a:endParaRPr>
+          </a:p>
+          <a:p>
+            <a:r>
+              <a:rPr lang="en-US" dirty="0">
+                <a:latin typeface="Arial" panose="020B0604020202020204" pitchFamily="34" charset="0"/>
+                <a:cs typeface="Arial" panose="020B0604020202020204" pitchFamily="34" charset="0"/>
+              </a:rPr>
+              <a:t>Java Spring Boot</a:t>
+            </a:r>
           </a:p>
         </p:txBody>
       </p:sp>
@@ -4365,35 +4643,115 @@
       </p:grpSpPr>
       <p:sp>
         <p:nvSpPr>
-          <p:cNvPr id="2" name="Picture Placeholder 1"/>
-          <p:cNvSpPr>
-            <a:spLocks noGrp="1"/>
-          </p:cNvSpPr>
-          <p:nvPr>
-            <p:ph type="pic" sz="quarter" idx="13"/>
+          <p:cNvPr id="3" name="Text Placeholder 2"/>
+          <p:cNvSpPr>
+            <a:spLocks noGrp="1"/>
+          </p:cNvSpPr>
+          <p:nvPr>
+            <p:ph type="body" sz="quarter" idx="14"/>
           </p:nvPr>
         </p:nvSpPr>
         <p:spPr/>
-      </p:sp>
-      <p:sp>
-        <p:nvSpPr>
-          <p:cNvPr id="3" name="Text Placeholder 2"/>
-          <p:cNvSpPr>
-            <a:spLocks noGrp="1"/>
-          </p:cNvSpPr>
-          <p:nvPr>
-            <p:ph type="body" sz="quarter" idx="14"/>
-          </p:nvPr>
-        </p:nvSpPr>
-        <p:spPr/>
-        <p:txBody>
-          <a:bodyPr/>
-          <a:lstStyle/>
-          <a:p>
-            <a:endParaRPr lang="hr-HR"/>
-          </a:p>
-        </p:txBody>
-      </p:sp>
+        <p:txBody>
+          <a:bodyPr/>
+          <a:lstStyle/>
+          <a:p>
+            <a:r>
+              <a:rPr lang="en-US" dirty="0" err="1"/>
+              <a:t>Administratorska</a:t>
+            </a:r>
+            <a:r>
+              <a:rPr lang="en-US" dirty="0"/>
+              <a:t> I </a:t>
+            </a:r>
+            <a:r>
+              <a:rPr lang="en-US" dirty="0" err="1"/>
+              <a:t>korisnička</a:t>
+            </a:r>
+            <a:r>
+              <a:rPr lang="en-US" dirty="0"/>
+              <a:t> </a:t>
+            </a:r>
+            <a:r>
+              <a:rPr lang="en-US" dirty="0" err="1"/>
+              <a:t>aplikacija</a:t>
+            </a:r>
+            <a:endParaRPr lang="hr-HR" dirty="0"/>
+          </a:p>
+        </p:txBody>
+      </p:sp>
+      <p:pic>
+        <p:nvPicPr>
+          <p:cNvPr id="14" name="Picture 13">
+            <a:extLst>
+              <a:ext uri="{FF2B5EF4-FFF2-40B4-BE49-F238E27FC236}">
+                <a16:creationId xmlns:a16="http://schemas.microsoft.com/office/drawing/2014/main" id="{51604CE9-4817-4104-AAAA-8A185078145C}"/>
+              </a:ext>
+            </a:extLst>
+          </p:cNvPr>
+          <p:cNvPicPr>
+            <a:picLocks noChangeAspect="1"/>
+          </p:cNvPicPr>
+          <p:nvPr/>
+        </p:nvPicPr>
+        <p:blipFill>
+          <a:blip r:embed="rId2">
+            <a:extLst>
+              <a:ext uri="{28A0092B-C50C-407E-A947-70E740481C1C}">
+                <a14:useLocalDpi xmlns:a14="http://schemas.microsoft.com/office/drawing/2010/main" val="0"/>
+              </a:ext>
+            </a:extLst>
+          </a:blip>
+          <a:stretch>
+            <a:fillRect/>
+          </a:stretch>
+        </p:blipFill>
+        <p:spPr>
+          <a:xfrm>
+            <a:off x="11759184" y="1062503"/>
+            <a:ext cx="13697712" cy="6257228"/>
+          </a:xfrm>
+          <a:prstGeom prst="rect">
+            <a:avLst/>
+          </a:prstGeom>
+        </p:spPr>
+      </p:pic>
+      <p:pic>
+        <p:nvPicPr>
+          <p:cNvPr id="16" name="Picture 15">
+            <a:extLst>
+              <a:ext uri="{FF2B5EF4-FFF2-40B4-BE49-F238E27FC236}">
+                <a16:creationId xmlns:a16="http://schemas.microsoft.com/office/drawing/2014/main" id="{C0162919-7DF2-4DBB-ACCD-A1F78CEE7E7B}"/>
+              </a:ext>
+            </a:extLst>
+          </p:cNvPr>
+          <p:cNvPicPr>
+            <a:picLocks noChangeAspect="1"/>
+          </p:cNvPicPr>
+          <p:nvPr/>
+        </p:nvPicPr>
+        <p:blipFill>
+          <a:blip r:embed="rId3">
+            <a:extLst>
+              <a:ext uri="{28A0092B-C50C-407E-A947-70E740481C1C}">
+                <a14:useLocalDpi xmlns:a14="http://schemas.microsoft.com/office/drawing/2010/main" val="0"/>
+              </a:ext>
+            </a:extLst>
+          </a:blip>
+          <a:stretch>
+            <a:fillRect/>
+          </a:stretch>
+        </p:blipFill>
+        <p:spPr>
+          <a:xfrm>
+            <a:off x="539274" y="1891210"/>
+            <a:ext cx="10812551" cy="4599815"/>
+          </a:xfrm>
+          <a:prstGeom prst="rect">
+            <a:avLst/>
+          </a:prstGeom>
+        </p:spPr>
+      </p:pic>
     </p:spTree>
     <p:extLst>
       <p:ext uri="{BB962C8B-B14F-4D97-AF65-F5344CB8AC3E}">

--- a/CodeBandits.pptx
+++ b/CodeBandits.pptx
@@ -4209,6 +4209,35 @@
           </a:p>
         </p:txBody>
       </p:sp>
+      <p:pic>
+        <p:nvPicPr>
+          <p:cNvPr id="5" name="Picture 4">
+            <a:extLst>
+              <a:ext uri="{FF2B5EF4-FFF2-40B4-BE49-F238E27FC236}">
+                <a16:creationId xmlns:a16="http://schemas.microsoft.com/office/drawing/2014/main" id="{54E70448-2A61-47DC-BB5F-540C44658885}"/>
+              </a:ext>
+            </a:extLst>
+          </p:cNvPr>
+          <p:cNvPicPr>
+            <a:picLocks noChangeAspect="1"/>
+          </p:cNvPicPr>
+          <p:nvPr/>
+        </p:nvPicPr>
+        <p:blipFill rotWithShape="1">
+          <a:blip r:embed="rId2"/>
+          <a:srcRect t="8622" b="4031"/>
+          <a:stretch/>
+        </p:blipFill>
+        <p:spPr>
+          <a:xfrm>
+            <a:off x="9571862" y="990314"/>
+            <a:ext cx="12867514" cy="6322124"/>
+          </a:xfrm>
+          <a:prstGeom prst="rect">
+            <a:avLst/>
+          </a:prstGeom>
+        </p:spPr>
+      </p:pic>
     </p:spTree>
     <p:extLst>
       <p:ext uri="{BB962C8B-B14F-4D97-AF65-F5344CB8AC3E}">
@@ -4308,6 +4337,11 @@
           <a:bodyPr/>
           <a:lstStyle/>
           <a:p>
+            <a:pPr>
+              <a:lnSpc>
+                <a:spcPct val="150000"/>
+              </a:lnSpc>
+            </a:pPr>
             <a:r>
               <a:rPr lang="en-US" dirty="0">
                 <a:latin typeface="Arial" panose="020B0604020202020204" pitchFamily="34" charset="0"/>
@@ -4335,6 +4369,11 @@
             </a:endParaRPr>
           </a:p>
           <a:p>
+            <a:pPr>
+              <a:lnSpc>
+                <a:spcPct val="150000"/>
+              </a:lnSpc>
+            </a:pPr>
             <a:r>
               <a:rPr lang="en-US" dirty="0" err="1">
                 <a:latin typeface="Arial" panose="020B0604020202020204" pitchFamily="34" charset="0"/>
@@ -4376,6 +4415,11 @@
             </a:endParaRPr>
           </a:p>
           <a:p>
+            <a:pPr>
+              <a:lnSpc>
+                <a:spcPct val="150000"/>
+              </a:lnSpc>
+            </a:pPr>
             <a:r>
               <a:rPr lang="en-US" dirty="0" err="1">
                 <a:latin typeface="Arial" panose="020B0604020202020204" pitchFamily="34" charset="0"/>
@@ -4541,76 +4585,147 @@
           </a:p>
         </p:txBody>
       </p:sp>
-      <p:sp>
-        <p:nvSpPr>
-          <p:cNvPr id="3" name="Content Placeholder 2"/>
-          <p:cNvSpPr>
-            <a:spLocks noGrp="1"/>
-          </p:cNvSpPr>
-          <p:nvPr>
-            <p:ph sz="half" idx="1"/>
-          </p:nvPr>
-        </p:nvSpPr>
-        <p:spPr/>
-        <p:txBody>
-          <a:bodyPr/>
-          <a:lstStyle/>
-          <a:p>
-            <a:r>
-              <a:rPr lang="en-US" dirty="0" err="1">
-                <a:latin typeface="Arial" panose="020B0604020202020204" pitchFamily="34" charset="0"/>
-                <a:cs typeface="Arial" panose="020B0604020202020204" pitchFamily="34" charset="0"/>
-              </a:rPr>
-              <a:t>ReactJS</a:t>
-            </a:r>
-            <a:endParaRPr lang="en-US" dirty="0">
-              <a:latin typeface="Arial" panose="020B0604020202020204" pitchFamily="34" charset="0"/>
-              <a:cs typeface="Arial" panose="020B0604020202020204" pitchFamily="34" charset="0"/>
-            </a:endParaRPr>
-          </a:p>
-          <a:p>
-            <a:r>
-              <a:rPr lang="en-US" dirty="0" err="1">
-                <a:latin typeface="Arial" panose="020B0604020202020204" pitchFamily="34" charset="0"/>
-                <a:cs typeface="Arial" panose="020B0604020202020204" pitchFamily="34" charset="0"/>
-              </a:rPr>
-              <a:t>MaterialUI</a:t>
-            </a:r>
-            <a:endParaRPr lang="en-US" dirty="0">
-              <a:latin typeface="Arial" panose="020B0604020202020204" pitchFamily="34" charset="0"/>
-              <a:cs typeface="Arial" panose="020B0604020202020204" pitchFamily="34" charset="0"/>
-            </a:endParaRPr>
-          </a:p>
-          <a:p>
-            <a:r>
-              <a:rPr lang="en-US" dirty="0">
-                <a:latin typeface="Arial" panose="020B0604020202020204" pitchFamily="34" charset="0"/>
-                <a:cs typeface="Arial" panose="020B0604020202020204" pitchFamily="34" charset="0"/>
-              </a:rPr>
-              <a:t>Java Spring Boot</a:t>
-            </a:r>
-          </a:p>
-        </p:txBody>
-      </p:sp>
-      <p:sp>
-        <p:nvSpPr>
-          <p:cNvPr id="4" name="Content Placeholder 3"/>
-          <p:cNvSpPr>
-            <a:spLocks noGrp="1"/>
-          </p:cNvSpPr>
-          <p:nvPr>
-            <p:ph sz="half" idx="2"/>
-          </p:nvPr>
-        </p:nvSpPr>
-        <p:spPr/>
-        <p:txBody>
-          <a:bodyPr/>
-          <a:lstStyle/>
-          <a:p>
-            <a:endParaRPr lang="hr-HR"/>
-          </a:p>
-        </p:txBody>
-      </p:sp>
+      <p:pic>
+        <p:nvPicPr>
+          <p:cNvPr id="1026" name="Picture 2" descr="Slikovni rezultat za react">
+            <a:extLst>
+              <a:ext uri="{FF2B5EF4-FFF2-40B4-BE49-F238E27FC236}">
+                <a16:creationId xmlns:a16="http://schemas.microsoft.com/office/drawing/2014/main" id="{FF727F98-6532-4D02-B039-5ECC372DBBA1}"/>
+              </a:ext>
+            </a:extLst>
+          </p:cNvPr>
+          <p:cNvPicPr>
+            <a:picLocks noChangeAspect="1" noChangeArrowheads="1"/>
+          </p:cNvPicPr>
+          <p:nvPr/>
+        </p:nvPicPr>
+        <p:blipFill>
+          <a:blip r:embed="rId2">
+            <a:extLst>
+              <a:ext uri="{28A0092B-C50C-407E-A947-70E740481C1C}">
+                <a14:useLocalDpi xmlns:a14="http://schemas.microsoft.com/office/drawing/2010/main" val="0"/>
+              </a:ext>
+            </a:extLst>
+          </a:blip>
+          <a:srcRect/>
+          <a:stretch>
+            <a:fillRect/>
+          </a:stretch>
+        </p:blipFill>
+        <p:spPr bwMode="auto">
+          <a:xfrm>
+            <a:off x="9823419" y="3594038"/>
+            <a:ext cx="7938706" cy="2579539"/>
+          </a:xfrm>
+          <a:prstGeom prst="rect">
+            <a:avLst/>
+          </a:prstGeom>
+          <a:noFill/>
+          <a:extLst>
+            <a:ext uri="{909E8E84-426E-40DD-AFC4-6F175D3DCCD1}">
+              <a14:hiddenFill xmlns:a14="http://schemas.microsoft.com/office/drawing/2010/main">
+                <a:solidFill>
+                  <a:srgbClr val="FFFFFF"/>
+                </a:solidFill>
+              </a14:hiddenFill>
+            </a:ext>
+          </a:extLst>
+        </p:spPr>
+      </p:pic>
+      <p:pic>
+        <p:nvPicPr>
+          <p:cNvPr id="1028" name="Picture 4" descr="Slikovni rezultat za material ui">
+            <a:extLst>
+              <a:ext uri="{FF2B5EF4-FFF2-40B4-BE49-F238E27FC236}">
+                <a16:creationId xmlns:a16="http://schemas.microsoft.com/office/drawing/2014/main" id="{5207A507-6AB3-4F6F-9BB5-2FE01706A73B}"/>
+              </a:ext>
+            </a:extLst>
+          </p:cNvPr>
+          <p:cNvPicPr>
+            <a:picLocks noChangeAspect="1" noChangeArrowheads="1"/>
+          </p:cNvPicPr>
+          <p:nvPr/>
+        </p:nvPicPr>
+        <p:blipFill>
+          <a:blip r:embed="rId3">
+            <a:extLst>
+              <a:ext uri="{28A0092B-C50C-407E-A947-70E740481C1C}">
+                <a14:useLocalDpi xmlns:a14="http://schemas.microsoft.com/office/drawing/2010/main" val="0"/>
+              </a:ext>
+            </a:extLst>
+          </a:blip>
+          <a:srcRect/>
+          <a:stretch>
+            <a:fillRect/>
+          </a:stretch>
+        </p:blipFill>
+        <p:spPr bwMode="auto">
+          <a:xfrm>
+            <a:off x="19573760" y="178839"/>
+            <a:ext cx="5687100" cy="5687100"/>
+          </a:xfrm>
+          <a:prstGeom prst="rect">
+            <a:avLst/>
+          </a:prstGeom>
+          <a:noFill/>
+          <a:extLst>
+            <a:ext uri="{909E8E84-426E-40DD-AFC4-6F175D3DCCD1}">
+              <a14:hiddenFill xmlns:a14="http://schemas.microsoft.com/office/drawing/2010/main">
+                <a:solidFill>
+                  <a:srgbClr val="FFFFFF"/>
+                </a:solidFill>
+              </a14:hiddenFill>
+            </a:ext>
+          </a:extLst>
+        </p:spPr>
+      </p:pic>
+      <p:pic>
+        <p:nvPicPr>
+          <p:cNvPr id="1030" name="Picture 6" descr="Slikovni rezultat za java spring boot">
+            <a:extLst>
+              <a:ext uri="{FF2B5EF4-FFF2-40B4-BE49-F238E27FC236}">
+                <a16:creationId xmlns:a16="http://schemas.microsoft.com/office/drawing/2014/main" id="{3B43A65E-6AFF-4774-989B-214770F8EE6F}"/>
+              </a:ext>
+            </a:extLst>
+          </p:cNvPr>
+          <p:cNvPicPr>
+            <a:picLocks noChangeAspect="1" noChangeArrowheads="1"/>
+          </p:cNvPicPr>
+          <p:nvPr/>
+        </p:nvPicPr>
+        <p:blipFill>
+          <a:blip r:embed="rId4">
+            <a:extLst>
+              <a:ext uri="{28A0092B-C50C-407E-A947-70E740481C1C}">
+                <a14:useLocalDpi xmlns:a14="http://schemas.microsoft.com/office/drawing/2010/main" val="0"/>
+              </a:ext>
+            </a:extLst>
+          </a:blip>
+          <a:srcRect/>
+          <a:stretch>
+            <a:fillRect/>
+          </a:stretch>
+        </p:blipFill>
+        <p:spPr bwMode="auto">
+          <a:xfrm>
+            <a:off x="2296859" y="4641977"/>
+            <a:ext cx="4667250" cy="2447925"/>
+          </a:xfrm>
+          <a:prstGeom prst="rect">
+            <a:avLst/>
+          </a:prstGeom>
+          <a:noFill/>
+          <a:extLst>
+            <a:ext uri="{909E8E84-426E-40DD-AFC4-6F175D3DCCD1}">
+              <a14:hiddenFill xmlns:a14="http://schemas.microsoft.com/office/drawing/2010/main">
+                <a:solidFill>
+                  <a:srgbClr val="FFFFFF"/>
+                </a:solidFill>
+              </a14:hiddenFill>
+            </a:ext>
+          </a:extLst>
+        </p:spPr>
+      </p:pic>
     </p:spTree>
     <p:extLst>
       <p:ext uri="{BB962C8B-B14F-4D97-AF65-F5344CB8AC3E}">
@@ -4662,7 +4777,15 @@
             </a:r>
             <a:r>
               <a:rPr lang="en-US" dirty="0"/>
-              <a:t> I </a:t>
+              <a:t> </a:t>
+            </a:r>
+            <a:r>
+              <a:rPr lang="en-US" dirty="0" err="1"/>
+              <a:t>i</a:t>
+            </a:r>
+            <a:r>
+              <a:rPr lang="en-US" dirty="0"/>
+              <a:t> </a:t>
             </a:r>
             <a:r>
               <a:rPr lang="en-US" dirty="0" err="1"/>

--- a/CodeBandits.pptx
+++ b/CodeBandits.pptx
@@ -6,12 +6,11 @@
   </p:sldMasterIdLst>
   <p:sldIdLst>
     <p:sldId id="262" r:id="rId6"/>
-    <p:sldId id="256" r:id="rId7"/>
-    <p:sldId id="258" r:id="rId8"/>
-    <p:sldId id="257" r:id="rId9"/>
-    <p:sldId id="259" r:id="rId10"/>
-    <p:sldId id="260" r:id="rId11"/>
-    <p:sldId id="261" r:id="rId12"/>
+    <p:sldId id="258" r:id="rId7"/>
+    <p:sldId id="257" r:id="rId8"/>
+    <p:sldId id="259" r:id="rId9"/>
+    <p:sldId id="260" r:id="rId10"/>
+    <p:sldId id="261" r:id="rId11"/>
   </p:sldIdLst>
   <p:sldSz cx="26012775" cy="9756775"/>
   <p:notesSz cx="6858000" cy="9144000"/>
@@ -4107,10 +4106,111 @@
           <a:chExt cx="0" cy="0"/>
         </a:xfrm>
       </p:grpSpPr>
+      <p:sp>
+        <p:nvSpPr>
+          <p:cNvPr id="2" name="Title 1"/>
+          <p:cNvSpPr>
+            <a:spLocks noGrp="1"/>
+          </p:cNvSpPr>
+          <p:nvPr>
+            <p:ph type="title"/>
+          </p:nvPr>
+        </p:nvSpPr>
+        <p:spPr/>
+        <p:txBody>
+          <a:bodyPr/>
+          <a:lstStyle/>
+          <a:p>
+            <a:r>
+              <a:rPr lang="en-US" dirty="0">
+                <a:latin typeface="Arial" panose="020B0604020202020204" pitchFamily="34" charset="0"/>
+                <a:cs typeface="Arial" panose="020B0604020202020204" pitchFamily="34" charset="0"/>
+              </a:rPr>
+              <a:t>Drops4Life</a:t>
+            </a:r>
+            <a:endParaRPr lang="hr-HR" dirty="0">
+              <a:latin typeface="Arial" panose="020B0604020202020204" pitchFamily="34" charset="0"/>
+              <a:cs typeface="Arial" panose="020B0604020202020204" pitchFamily="34" charset="0"/>
+            </a:endParaRPr>
+          </a:p>
+        </p:txBody>
+      </p:sp>
+      <p:sp>
+        <p:nvSpPr>
+          <p:cNvPr id="3" name="Text Placeholder 2"/>
+          <p:cNvSpPr>
+            <a:spLocks noGrp="1"/>
+          </p:cNvSpPr>
+          <p:nvPr>
+            <p:ph type="body" idx="1"/>
+          </p:nvPr>
+        </p:nvSpPr>
+        <p:spPr/>
+        <p:txBody>
+          <a:bodyPr/>
+          <a:lstStyle/>
+          <a:p>
+            <a:r>
+              <a:rPr lang="en-US" dirty="0" err="1">
+                <a:latin typeface="Arial" panose="020B0604020202020204" pitchFamily="34" charset="0"/>
+                <a:cs typeface="Arial" panose="020B0604020202020204" pitchFamily="34" charset="0"/>
+              </a:rPr>
+              <a:t>Tomislav</a:t>
+            </a:r>
+            <a:r>
+              <a:rPr lang="en-US" dirty="0">
+                <a:latin typeface="Arial" panose="020B0604020202020204" pitchFamily="34" charset="0"/>
+                <a:cs typeface="Arial" panose="020B0604020202020204" pitchFamily="34" charset="0"/>
+              </a:rPr>
+              <a:t> </a:t>
+            </a:r>
+            <a:r>
+              <a:rPr lang="en-US" dirty="0" err="1">
+                <a:latin typeface="Arial" panose="020B0604020202020204" pitchFamily="34" charset="0"/>
+                <a:cs typeface="Arial" panose="020B0604020202020204" pitchFamily="34" charset="0"/>
+              </a:rPr>
+              <a:t>Fičko</a:t>
+            </a:r>
+            <a:endParaRPr lang="hr-HR" dirty="0">
+              <a:latin typeface="Arial" panose="020B0604020202020204" pitchFamily="34" charset="0"/>
+              <a:cs typeface="Arial" panose="020B0604020202020204" pitchFamily="34" charset="0"/>
+            </a:endParaRPr>
+          </a:p>
+        </p:txBody>
+      </p:sp>
+      <p:pic>
+        <p:nvPicPr>
+          <p:cNvPr id="5" name="Picture 4">
+            <a:extLst>
+              <a:ext uri="{FF2B5EF4-FFF2-40B4-BE49-F238E27FC236}">
+                <a16:creationId xmlns:a16="http://schemas.microsoft.com/office/drawing/2014/main" id="{54E70448-2A61-47DC-BB5F-540C44658885}"/>
+              </a:ext>
+            </a:extLst>
+          </p:cNvPr>
+          <p:cNvPicPr>
+            <a:picLocks noChangeAspect="1"/>
+          </p:cNvPicPr>
+          <p:nvPr/>
+        </p:nvPicPr>
+        <p:blipFill rotWithShape="1">
+          <a:blip r:embed="rId2"/>
+          <a:srcRect t="8622" b="4031"/>
+          <a:stretch/>
+        </p:blipFill>
+        <p:spPr>
+          <a:xfrm>
+            <a:off x="9571862" y="990314"/>
+            <a:ext cx="12867514" cy="6322124"/>
+          </a:xfrm>
+          <a:prstGeom prst="rect">
+            <a:avLst/>
+          </a:prstGeom>
+        </p:spPr>
+      </p:pic>
     </p:spTree>
     <p:extLst>
       <p:ext uri="{BB962C8B-B14F-4D97-AF65-F5344CB8AC3E}">
-        <p14:creationId xmlns:p14="http://schemas.microsoft.com/office/powerpoint/2010/main" val="1785769376"/>
+        <p14:creationId xmlns:p14="http://schemas.microsoft.com/office/powerpoint/2010/main" val="2932503241"/>
       </p:ext>
     </p:extLst>
   </p:cSld>
@@ -4153,137 +4253,6 @@
           <a:lstStyle/>
           <a:p>
             <a:r>
-              <a:rPr lang="en-US" dirty="0">
-                <a:latin typeface="Arial" panose="020B0604020202020204" pitchFamily="34" charset="0"/>
-                <a:cs typeface="Arial" panose="020B0604020202020204" pitchFamily="34" charset="0"/>
-              </a:rPr>
-              <a:t>Drops4Life</a:t>
-            </a:r>
-            <a:endParaRPr lang="hr-HR" dirty="0">
-              <a:latin typeface="Arial" panose="020B0604020202020204" pitchFamily="34" charset="0"/>
-              <a:cs typeface="Arial" panose="020B0604020202020204" pitchFamily="34" charset="0"/>
-            </a:endParaRPr>
-          </a:p>
-        </p:txBody>
-      </p:sp>
-      <p:sp>
-        <p:nvSpPr>
-          <p:cNvPr id="3" name="Text Placeholder 2"/>
-          <p:cNvSpPr>
-            <a:spLocks noGrp="1"/>
-          </p:cNvSpPr>
-          <p:nvPr>
-            <p:ph type="body" idx="1"/>
-          </p:nvPr>
-        </p:nvSpPr>
-        <p:spPr/>
-        <p:txBody>
-          <a:bodyPr/>
-          <a:lstStyle/>
-          <a:p>
-            <a:r>
-              <a:rPr lang="en-US" dirty="0" err="1">
-                <a:latin typeface="Arial" panose="020B0604020202020204" pitchFamily="34" charset="0"/>
-                <a:cs typeface="Arial" panose="020B0604020202020204" pitchFamily="34" charset="0"/>
-              </a:rPr>
-              <a:t>Tomislav</a:t>
-            </a:r>
-            <a:r>
-              <a:rPr lang="en-US" dirty="0">
-                <a:latin typeface="Arial" panose="020B0604020202020204" pitchFamily="34" charset="0"/>
-                <a:cs typeface="Arial" panose="020B0604020202020204" pitchFamily="34" charset="0"/>
-              </a:rPr>
-              <a:t> </a:t>
-            </a:r>
-            <a:r>
-              <a:rPr lang="en-US" dirty="0" err="1">
-                <a:latin typeface="Arial" panose="020B0604020202020204" pitchFamily="34" charset="0"/>
-                <a:cs typeface="Arial" panose="020B0604020202020204" pitchFamily="34" charset="0"/>
-              </a:rPr>
-              <a:t>Fičko</a:t>
-            </a:r>
-            <a:endParaRPr lang="hr-HR" dirty="0">
-              <a:latin typeface="Arial" panose="020B0604020202020204" pitchFamily="34" charset="0"/>
-              <a:cs typeface="Arial" panose="020B0604020202020204" pitchFamily="34" charset="0"/>
-            </a:endParaRPr>
-          </a:p>
-        </p:txBody>
-      </p:sp>
-      <p:pic>
-        <p:nvPicPr>
-          <p:cNvPr id="5" name="Picture 4">
-            <a:extLst>
-              <a:ext uri="{FF2B5EF4-FFF2-40B4-BE49-F238E27FC236}">
-                <a16:creationId xmlns:a16="http://schemas.microsoft.com/office/drawing/2014/main" id="{54E70448-2A61-47DC-BB5F-540C44658885}"/>
-              </a:ext>
-            </a:extLst>
-          </p:cNvPr>
-          <p:cNvPicPr>
-            <a:picLocks noChangeAspect="1"/>
-          </p:cNvPicPr>
-          <p:nvPr/>
-        </p:nvPicPr>
-        <p:blipFill rotWithShape="1">
-          <a:blip r:embed="rId2"/>
-          <a:srcRect t="8622" b="4031"/>
-          <a:stretch/>
-        </p:blipFill>
-        <p:spPr>
-          <a:xfrm>
-            <a:off x="9571862" y="990314"/>
-            <a:ext cx="12867514" cy="6322124"/>
-          </a:xfrm>
-          <a:prstGeom prst="rect">
-            <a:avLst/>
-          </a:prstGeom>
-        </p:spPr>
-      </p:pic>
-    </p:spTree>
-    <p:extLst>
-      <p:ext uri="{BB962C8B-B14F-4D97-AF65-F5344CB8AC3E}">
-        <p14:creationId xmlns:p14="http://schemas.microsoft.com/office/powerpoint/2010/main" val="2932503241"/>
-      </p:ext>
-    </p:extLst>
-  </p:cSld>
-  <p:clrMapOvr>
-    <a:masterClrMapping/>
-  </p:clrMapOvr>
-</p:sld>
-</file>
-
-<file path=ppt/slides/slide4.xml><?xml version="1.0" encoding="utf-8"?>
-<p:sld xmlns:a="http://schemas.openxmlformats.org/drawingml/2006/main" xmlns:r="http://schemas.openxmlformats.org/officeDocument/2006/relationships" xmlns:p="http://schemas.openxmlformats.org/presentationml/2006/main">
-  <p:cSld>
-    <p:spTree>
-      <p:nvGrpSpPr>
-        <p:cNvPr id="1" name=""/>
-        <p:cNvGrpSpPr/>
-        <p:nvPr/>
-      </p:nvGrpSpPr>
-      <p:grpSpPr>
-        <a:xfrm>
-          <a:off x="0" y="0"/>
-          <a:ext cx="0" cy="0"/>
-          <a:chOff x="0" y="0"/>
-          <a:chExt cx="0" cy="0"/>
-        </a:xfrm>
-      </p:grpSpPr>
-      <p:sp>
-        <p:nvSpPr>
-          <p:cNvPr id="2" name="Title 1"/>
-          <p:cNvSpPr>
-            <a:spLocks noGrp="1"/>
-          </p:cNvSpPr>
-          <p:nvPr>
-            <p:ph type="title"/>
-          </p:nvPr>
-        </p:nvSpPr>
-        <p:spPr/>
-        <p:txBody>
-          <a:bodyPr/>
-          <a:lstStyle/>
-          <a:p>
-            <a:r>
               <a:rPr lang="en-US" dirty="0" err="1">
                 <a:latin typeface="Arial" panose="020B0604020202020204" pitchFamily="34" charset="0"/>
                 <a:cs typeface="Arial" panose="020B0604020202020204" pitchFamily="34" charset="0"/>
@@ -4525,7 +4494,7 @@
 </p:sld>
 </file>
 
-<file path=ppt/slides/slide5.xml><?xml version="1.0" encoding="utf-8"?>
+<file path=ppt/slides/slide4.xml><?xml version="1.0" encoding="utf-8"?>
 <p:sld xmlns:a="http://schemas.openxmlformats.org/drawingml/2006/main" xmlns:r="http://schemas.openxmlformats.org/officeDocument/2006/relationships" xmlns:p="http://schemas.openxmlformats.org/presentationml/2006/main">
   <p:cSld>
     <p:spTree>
@@ -4739,7 +4708,7 @@
 </p:sld>
 </file>
 
-<file path=ppt/slides/slide6.xml><?xml version="1.0" encoding="utf-8"?>
+<file path=ppt/slides/slide5.xml><?xml version="1.0" encoding="utf-8"?>
 <p:sld xmlns:a="http://schemas.openxmlformats.org/drawingml/2006/main" xmlns:r="http://schemas.openxmlformats.org/officeDocument/2006/relationships" xmlns:p="http://schemas.openxmlformats.org/presentationml/2006/main">
   <p:cSld>
     <p:spTree>
@@ -4888,7 +4857,7 @@
 </p:sld>
 </file>
 
-<file path=ppt/slides/slide7.xml><?xml version="1.0" encoding="utf-8"?>
+<file path=ppt/slides/slide6.xml><?xml version="1.0" encoding="utf-8"?>
 <p:sld xmlns:a="http://schemas.openxmlformats.org/drawingml/2006/main" xmlns:r="http://schemas.openxmlformats.org/officeDocument/2006/relationships" xmlns:p="http://schemas.openxmlformats.org/presentationml/2006/main">
   <p:cSld>
     <p:bg>
